--- a/resources/02-MERN-RoadMap.pptx
+++ b/resources/02-MERN-RoadMap.pptx
@@ -272,7 +272,7 @@
           <a:p>
             <a:fld id="{0CBFA736-EB84-4A0A-8AD6-A8CBDFBA8A5D}" type="datetimeFigureOut">
               <a:rPr lang="en-US" smtClean="0"/>
-              <a:t>3/4/2022</a:t>
+              <a:t>3/6/2022</a:t>
             </a:fld>
             <a:endParaRPr lang="en-US"/>
           </a:p>
@@ -470,7 +470,7 @@
           <a:p>
             <a:fld id="{0CBFA736-EB84-4A0A-8AD6-A8CBDFBA8A5D}" type="datetimeFigureOut">
               <a:rPr lang="en-US" smtClean="0"/>
-              <a:t>3/4/2022</a:t>
+              <a:t>3/6/2022</a:t>
             </a:fld>
             <a:endParaRPr lang="en-US"/>
           </a:p>
@@ -678,7 +678,7 @@
           <a:p>
             <a:fld id="{0CBFA736-EB84-4A0A-8AD6-A8CBDFBA8A5D}" type="datetimeFigureOut">
               <a:rPr lang="en-US" smtClean="0"/>
-              <a:t>3/4/2022</a:t>
+              <a:t>3/6/2022</a:t>
             </a:fld>
             <a:endParaRPr lang="en-US"/>
           </a:p>
@@ -876,7 +876,7 @@
           <a:p>
             <a:fld id="{0CBFA736-EB84-4A0A-8AD6-A8CBDFBA8A5D}" type="datetimeFigureOut">
               <a:rPr lang="en-US" smtClean="0"/>
-              <a:t>3/4/2022</a:t>
+              <a:t>3/6/2022</a:t>
             </a:fld>
             <a:endParaRPr lang="en-US"/>
           </a:p>
@@ -1151,7 +1151,7 @@
           <a:p>
             <a:fld id="{0CBFA736-EB84-4A0A-8AD6-A8CBDFBA8A5D}" type="datetimeFigureOut">
               <a:rPr lang="en-US" smtClean="0"/>
-              <a:t>3/4/2022</a:t>
+              <a:t>3/6/2022</a:t>
             </a:fld>
             <a:endParaRPr lang="en-US"/>
           </a:p>
@@ -1416,7 +1416,7 @@
           <a:p>
             <a:fld id="{0CBFA736-EB84-4A0A-8AD6-A8CBDFBA8A5D}" type="datetimeFigureOut">
               <a:rPr lang="en-US" smtClean="0"/>
-              <a:t>3/4/2022</a:t>
+              <a:t>3/6/2022</a:t>
             </a:fld>
             <a:endParaRPr lang="en-US"/>
           </a:p>
@@ -1828,7 +1828,7 @@
           <a:p>
             <a:fld id="{0CBFA736-EB84-4A0A-8AD6-A8CBDFBA8A5D}" type="datetimeFigureOut">
               <a:rPr lang="en-US" smtClean="0"/>
-              <a:t>3/4/2022</a:t>
+              <a:t>3/6/2022</a:t>
             </a:fld>
             <a:endParaRPr lang="en-US"/>
           </a:p>
@@ -1969,7 +1969,7 @@
           <a:p>
             <a:fld id="{0CBFA736-EB84-4A0A-8AD6-A8CBDFBA8A5D}" type="datetimeFigureOut">
               <a:rPr lang="en-US" smtClean="0"/>
-              <a:t>3/4/2022</a:t>
+              <a:t>3/6/2022</a:t>
             </a:fld>
             <a:endParaRPr lang="en-US"/>
           </a:p>
@@ -2082,7 +2082,7 @@
           <a:p>
             <a:fld id="{0CBFA736-EB84-4A0A-8AD6-A8CBDFBA8A5D}" type="datetimeFigureOut">
               <a:rPr lang="en-US" smtClean="0"/>
-              <a:t>3/4/2022</a:t>
+              <a:t>3/6/2022</a:t>
             </a:fld>
             <a:endParaRPr lang="en-US"/>
           </a:p>
@@ -2393,7 +2393,7 @@
           <a:p>
             <a:fld id="{0CBFA736-EB84-4A0A-8AD6-A8CBDFBA8A5D}" type="datetimeFigureOut">
               <a:rPr lang="en-US" smtClean="0"/>
-              <a:t>3/4/2022</a:t>
+              <a:t>3/6/2022</a:t>
             </a:fld>
             <a:endParaRPr lang="en-US"/>
           </a:p>
@@ -2681,7 +2681,7 @@
           <a:p>
             <a:fld id="{0CBFA736-EB84-4A0A-8AD6-A8CBDFBA8A5D}" type="datetimeFigureOut">
               <a:rPr lang="en-US" smtClean="0"/>
-              <a:t>3/4/2022</a:t>
+              <a:t>3/6/2022</a:t>
             </a:fld>
             <a:endParaRPr lang="en-US"/>
           </a:p>
@@ -2931,7 +2931,7 @@
           <a:p>
             <a:fld id="{0CBFA736-EB84-4A0A-8AD6-A8CBDFBA8A5D}" type="datetimeFigureOut">
               <a:rPr lang="en-US" smtClean="0"/>
-              <a:t>3/4/2022</a:t>
+              <a:t>3/6/2022</a:t>
             </a:fld>
             <a:endParaRPr lang="en-US"/>
           </a:p>
@@ -3505,33 +3505,7 @@
                 <a:latin typeface="Roboto" panose="02000000000000000000" pitchFamily="2" charset="0"/>
                 <a:ea typeface="Roboto" panose="02000000000000000000" pitchFamily="2" charset="0"/>
               </a:rPr>
-              <a:t>Zero to </a:t>
-            </a:r>
-            <a:r>
-              <a:rPr lang="en-US" sz="2400" b="1" dirty="0" err="1">
-                <a:solidFill>
-                  <a:schemeClr val="tx1">
-                    <a:lumMod val="95000"/>
-                    <a:lumOff val="5000"/>
-                  </a:schemeClr>
-                </a:solidFill>
-                <a:latin typeface="Roboto" panose="02000000000000000000" pitchFamily="2" charset="0"/>
-                <a:ea typeface="Roboto" panose="02000000000000000000" pitchFamily="2" charset="0"/>
-              </a:rPr>
-              <a:t>Mern</a:t>
-            </a:r>
-            <a:r>
-              <a:rPr lang="en-US" sz="2400" b="1" dirty="0">
-                <a:solidFill>
-                  <a:schemeClr val="tx1">
-                    <a:lumMod val="95000"/>
-                    <a:lumOff val="5000"/>
-                  </a:schemeClr>
-                </a:solidFill>
-                <a:latin typeface="Roboto" panose="02000000000000000000" pitchFamily="2" charset="0"/>
-                <a:ea typeface="Roboto" panose="02000000000000000000" pitchFamily="2" charset="0"/>
-              </a:rPr>
-              <a:t> Stack : Step 08</a:t>
+              <a:t>Zero to MERN Stack : Step 08</a:t>
             </a:r>
             <a:endParaRPr lang="en-US" sz="2400" b="1" dirty="0">
               <a:solidFill>
@@ -4253,33 +4227,7 @@
                 <a:latin typeface="Roboto" panose="02000000000000000000" pitchFamily="2" charset="0"/>
                 <a:ea typeface="Roboto" panose="02000000000000000000" pitchFamily="2" charset="0"/>
               </a:rPr>
-              <a:t>Zero to </a:t>
-            </a:r>
-            <a:r>
-              <a:rPr lang="en-US" sz="2400" b="1" dirty="0" err="1">
-                <a:solidFill>
-                  <a:schemeClr val="tx1">
-                    <a:lumMod val="95000"/>
-                    <a:lumOff val="5000"/>
-                  </a:schemeClr>
-                </a:solidFill>
-                <a:latin typeface="Roboto" panose="02000000000000000000" pitchFamily="2" charset="0"/>
-                <a:ea typeface="Roboto" panose="02000000000000000000" pitchFamily="2" charset="0"/>
-              </a:rPr>
-              <a:t>Mern</a:t>
-            </a:r>
-            <a:r>
-              <a:rPr lang="en-US" sz="2400" b="1" dirty="0">
-                <a:solidFill>
-                  <a:schemeClr val="tx1">
-                    <a:lumMod val="95000"/>
-                    <a:lumOff val="5000"/>
-                  </a:schemeClr>
-                </a:solidFill>
-                <a:latin typeface="Roboto" panose="02000000000000000000" pitchFamily="2" charset="0"/>
-                <a:ea typeface="Roboto" panose="02000000000000000000" pitchFamily="2" charset="0"/>
-              </a:rPr>
-              <a:t> Stack : Step 09</a:t>
+              <a:t>Zero to MERN Stack : Step 09</a:t>
             </a:r>
             <a:endParaRPr lang="en-US" sz="2400" b="1" dirty="0">
               <a:solidFill>
@@ -4515,33 +4463,7 @@
                 <a:latin typeface="Roboto" panose="02000000000000000000" pitchFamily="2" charset="0"/>
                 <a:ea typeface="Roboto" panose="02000000000000000000" pitchFamily="2" charset="0"/>
               </a:rPr>
-              <a:t>Zero to </a:t>
-            </a:r>
-            <a:r>
-              <a:rPr lang="en-US" sz="2400" b="1" dirty="0" err="1">
-                <a:solidFill>
-                  <a:schemeClr val="tx1">
-                    <a:lumMod val="95000"/>
-                    <a:lumOff val="5000"/>
-                  </a:schemeClr>
-                </a:solidFill>
-                <a:latin typeface="Roboto" panose="02000000000000000000" pitchFamily="2" charset="0"/>
-                <a:ea typeface="Roboto" panose="02000000000000000000" pitchFamily="2" charset="0"/>
-              </a:rPr>
-              <a:t>Mern</a:t>
-            </a:r>
-            <a:r>
-              <a:rPr lang="en-US" sz="2400" b="1" dirty="0">
-                <a:solidFill>
-                  <a:schemeClr val="tx1">
-                    <a:lumMod val="95000"/>
-                    <a:lumOff val="5000"/>
-                  </a:schemeClr>
-                </a:solidFill>
-                <a:latin typeface="Roboto" panose="02000000000000000000" pitchFamily="2" charset="0"/>
-                <a:ea typeface="Roboto" panose="02000000000000000000" pitchFamily="2" charset="0"/>
-              </a:rPr>
-              <a:t> Stack : Step 09</a:t>
+              <a:t>Zero to MERN Stack : Step 09</a:t>
             </a:r>
             <a:endParaRPr lang="en-US" sz="2400" b="1" dirty="0">
               <a:solidFill>
@@ -4777,33 +4699,7 @@
                 <a:latin typeface="Roboto" panose="02000000000000000000" pitchFamily="2" charset="0"/>
                 <a:ea typeface="Roboto" panose="02000000000000000000" pitchFamily="2" charset="0"/>
               </a:rPr>
-              <a:t>Zero to </a:t>
-            </a:r>
-            <a:r>
-              <a:rPr lang="en-US" sz="2400" b="1" dirty="0" err="1">
-                <a:solidFill>
-                  <a:schemeClr val="tx1">
-                    <a:lumMod val="95000"/>
-                    <a:lumOff val="5000"/>
-                  </a:schemeClr>
-                </a:solidFill>
-                <a:latin typeface="Roboto" panose="02000000000000000000" pitchFamily="2" charset="0"/>
-                <a:ea typeface="Roboto" panose="02000000000000000000" pitchFamily="2" charset="0"/>
-              </a:rPr>
-              <a:t>Mern</a:t>
-            </a:r>
-            <a:r>
-              <a:rPr lang="en-US" sz="2400" b="1" dirty="0">
-                <a:solidFill>
-                  <a:schemeClr val="tx1">
-                    <a:lumMod val="95000"/>
-                    <a:lumOff val="5000"/>
-                  </a:schemeClr>
-                </a:solidFill>
-                <a:latin typeface="Roboto" panose="02000000000000000000" pitchFamily="2" charset="0"/>
-                <a:ea typeface="Roboto" panose="02000000000000000000" pitchFamily="2" charset="0"/>
-              </a:rPr>
-              <a:t> Stack : Step 09</a:t>
+              <a:t>Zero to MERN Stack : Step 09</a:t>
             </a:r>
             <a:endParaRPr lang="en-US" sz="2400" b="1" dirty="0">
               <a:solidFill>
@@ -5039,33 +4935,7 @@
                 <a:latin typeface="Roboto" panose="02000000000000000000" pitchFamily="2" charset="0"/>
                 <a:ea typeface="Roboto" panose="02000000000000000000" pitchFamily="2" charset="0"/>
               </a:rPr>
-              <a:t>Zero to </a:t>
-            </a:r>
-            <a:r>
-              <a:rPr lang="en-US" sz="2400" b="1" dirty="0" err="1">
-                <a:solidFill>
-                  <a:schemeClr val="tx1">
-                    <a:lumMod val="95000"/>
-                    <a:lumOff val="5000"/>
-                  </a:schemeClr>
-                </a:solidFill>
-                <a:latin typeface="Roboto" panose="02000000000000000000" pitchFamily="2" charset="0"/>
-                <a:ea typeface="Roboto" panose="02000000000000000000" pitchFamily="2" charset="0"/>
-              </a:rPr>
-              <a:t>Mern</a:t>
-            </a:r>
-            <a:r>
-              <a:rPr lang="en-US" sz="2400" b="1" dirty="0">
-                <a:solidFill>
-                  <a:schemeClr val="tx1">
-                    <a:lumMod val="95000"/>
-                    <a:lumOff val="5000"/>
-                  </a:schemeClr>
-                </a:solidFill>
-                <a:latin typeface="Roboto" panose="02000000000000000000" pitchFamily="2" charset="0"/>
-                <a:ea typeface="Roboto" panose="02000000000000000000" pitchFamily="2" charset="0"/>
-              </a:rPr>
-              <a:t> Stack : Step 10 Final</a:t>
+              <a:t>Zero to MERN Stack : Step 10 Final</a:t>
             </a:r>
             <a:endParaRPr lang="en-US" sz="2400" b="1" dirty="0">
               <a:solidFill>
@@ -5596,14 +5466,17 @@
               <a:t>Zero to </a:t>
             </a:r>
             <a:r>
-              <a:rPr lang="en-US" sz="2400" b="1" dirty="0" err="1">
+              <a:rPr lang="en-US" sz="2400" b="1" dirty="0">
                 <a:solidFill>
-                  <a:srgbClr val="00B050"/>
+                  <a:schemeClr val="tx1">
+                    <a:lumMod val="95000"/>
+                    <a:lumOff val="5000"/>
+                  </a:schemeClr>
                 </a:solidFill>
                 <a:latin typeface="Roboto" panose="02000000000000000000" pitchFamily="2" charset="0"/>
                 <a:ea typeface="Roboto" panose="02000000000000000000" pitchFamily="2" charset="0"/>
               </a:rPr>
-              <a:t>Mern</a:t>
+              <a:t>MERN</a:t>
             </a:r>
             <a:r>
               <a:rPr lang="en-US" sz="2400" b="1" dirty="0">
@@ -6149,14 +6022,17 @@
               <a:t>Zero to </a:t>
             </a:r>
             <a:r>
-              <a:rPr lang="en-US" sz="2400" b="1" dirty="0" err="1">
+              <a:rPr lang="en-US" sz="2400" b="1" dirty="0">
                 <a:solidFill>
-                  <a:srgbClr val="00B050"/>
+                  <a:schemeClr val="tx1">
+                    <a:lumMod val="95000"/>
+                    <a:lumOff val="5000"/>
+                  </a:schemeClr>
                 </a:solidFill>
                 <a:latin typeface="Roboto" panose="02000000000000000000" pitchFamily="2" charset="0"/>
                 <a:ea typeface="Roboto" panose="02000000000000000000" pitchFamily="2" charset="0"/>
               </a:rPr>
-              <a:t>Mern</a:t>
+              <a:t>MERN</a:t>
             </a:r>
             <a:r>
               <a:rPr lang="en-US" sz="2400" b="1" dirty="0">
@@ -7037,14 +6913,17 @@
               <a:t>Zero to </a:t>
             </a:r>
             <a:r>
-              <a:rPr lang="en-US" sz="2400" b="1" dirty="0" err="1">
+              <a:rPr lang="en-US" sz="2400" b="1" dirty="0">
                 <a:solidFill>
-                  <a:srgbClr val="00B050"/>
+                  <a:schemeClr val="tx1">
+                    <a:lumMod val="95000"/>
+                    <a:lumOff val="5000"/>
+                  </a:schemeClr>
                 </a:solidFill>
                 <a:latin typeface="Roboto" panose="02000000000000000000" pitchFamily="2" charset="0"/>
                 <a:ea typeface="Roboto" panose="02000000000000000000" pitchFamily="2" charset="0"/>
               </a:rPr>
-              <a:t>Mern</a:t>
+              <a:t>MERN</a:t>
             </a:r>
             <a:r>
               <a:rPr lang="en-US" sz="2400" b="1" dirty="0">
@@ -7439,33 +7318,7 @@
                 <a:latin typeface="Roboto" panose="02000000000000000000" pitchFamily="2" charset="0"/>
                 <a:ea typeface="Roboto" panose="02000000000000000000" pitchFamily="2" charset="0"/>
               </a:rPr>
-              <a:t>Zero to </a:t>
-            </a:r>
-            <a:r>
-              <a:rPr lang="en-US" sz="2400" b="1" dirty="0" err="1">
-                <a:solidFill>
-                  <a:schemeClr val="tx1">
-                    <a:lumMod val="95000"/>
-                    <a:lumOff val="5000"/>
-                  </a:schemeClr>
-                </a:solidFill>
-                <a:latin typeface="Roboto" panose="02000000000000000000" pitchFamily="2" charset="0"/>
-                <a:ea typeface="Roboto" panose="02000000000000000000" pitchFamily="2" charset="0"/>
-              </a:rPr>
-              <a:t>Mern</a:t>
-            </a:r>
-            <a:r>
-              <a:rPr lang="en-US" sz="2400" b="1" dirty="0">
-                <a:solidFill>
-                  <a:schemeClr val="tx1">
-                    <a:lumMod val="95000"/>
-                    <a:lumOff val="5000"/>
-                  </a:schemeClr>
-                </a:solidFill>
-                <a:latin typeface="Roboto" panose="02000000000000000000" pitchFamily="2" charset="0"/>
-                <a:ea typeface="Roboto" panose="02000000000000000000" pitchFamily="2" charset="0"/>
-              </a:rPr>
-              <a:t> Stack : Step 04</a:t>
+              <a:t>Zero to MERN Stack : Step 04</a:t>
             </a:r>
             <a:endParaRPr lang="en-US" sz="2400" b="1" dirty="0">
               <a:solidFill>
@@ -8292,14 +8145,17 @@
               <a:t>Zero to </a:t>
             </a:r>
             <a:r>
-              <a:rPr lang="en-US" sz="2400" b="1" dirty="0" err="1">
+              <a:rPr lang="en-US" sz="2400" b="1" dirty="0">
                 <a:solidFill>
-                  <a:srgbClr val="00B050"/>
+                  <a:schemeClr val="tx1">
+                    <a:lumMod val="95000"/>
+                    <a:lumOff val="5000"/>
+                  </a:schemeClr>
                 </a:solidFill>
                 <a:latin typeface="Roboto" panose="02000000000000000000" pitchFamily="2" charset="0"/>
                 <a:ea typeface="Roboto" panose="02000000000000000000" pitchFamily="2" charset="0"/>
               </a:rPr>
-              <a:t>Mern</a:t>
+              <a:t>MERN</a:t>
             </a:r>
             <a:r>
               <a:rPr lang="en-US" sz="2400" b="1" dirty="0">
@@ -9323,14 +9179,17 @@
               <a:t>Zero to </a:t>
             </a:r>
             <a:r>
-              <a:rPr lang="en-US" sz="2400" b="1" dirty="0" err="1">
+              <a:rPr lang="en-US" sz="2400" b="1" dirty="0">
                 <a:solidFill>
-                  <a:srgbClr val="00B050"/>
+                  <a:schemeClr val="tx1">
+                    <a:lumMod val="95000"/>
+                    <a:lumOff val="5000"/>
+                  </a:schemeClr>
                 </a:solidFill>
                 <a:latin typeface="Roboto" panose="02000000000000000000" pitchFamily="2" charset="0"/>
                 <a:ea typeface="Roboto" panose="02000000000000000000" pitchFamily="2" charset="0"/>
               </a:rPr>
-              <a:t>Mern</a:t>
+              <a:t>MERN</a:t>
             </a:r>
             <a:r>
               <a:rPr lang="en-US" sz="2400" b="1" dirty="0">
@@ -10392,14 +10251,17 @@
               <a:t>Zero to </a:t>
             </a:r>
             <a:r>
-              <a:rPr lang="en-US" sz="2400" b="1" dirty="0" err="1">
+              <a:rPr lang="en-US" sz="2400" b="1" dirty="0">
                 <a:solidFill>
-                  <a:srgbClr val="00B050"/>
+                  <a:schemeClr val="tx1">
+                    <a:lumMod val="95000"/>
+                    <a:lumOff val="5000"/>
+                  </a:schemeClr>
                 </a:solidFill>
                 <a:latin typeface="Roboto" panose="02000000000000000000" pitchFamily="2" charset="0"/>
                 <a:ea typeface="Roboto" panose="02000000000000000000" pitchFamily="2" charset="0"/>
               </a:rPr>
-              <a:t>Mern</a:t>
+              <a:t>MERN</a:t>
             </a:r>
             <a:r>
               <a:rPr lang="en-US" sz="2400" b="1" dirty="0">
